--- a/kq.pptx
+++ b/kq.pptx
@@ -673,7 +673,7 @@
           <a:graphicData uri="http://schemas.openxmlformats.org/presentationml/2006/ole">
             <mc:AlternateContent xmlns:mc="http://schemas.openxmlformats.org/markup-compatibility/2006">
               <mc:Choice xmlns:v="urn:schemas-microsoft-com:vml" Requires="v">
-                <p:oleObj spid="_x0000_s4150391" name="think-cell Slide" r:id="rId5" imgW="270" imgH="270" progId="TCLayout.ActiveDocument.1">
+                <p:oleObj spid="_x0000_s4150392" name="think-cell Slide" r:id="rId5" imgW="270" imgH="270" progId="TCLayout.ActiveDocument.1">
                   <p:embed/>
                 </p:oleObj>
               </mc:Choice>
@@ -713,7 +713,7 @@
           <p:cNvPr id="4" name="Rectangle 3" hidden="1">
             <a:extLst>
               <a:ext uri="{FF2B5EF4-FFF2-40B4-BE49-F238E27FC236}">
-                <a16:creationId xmlns:a16="http://schemas.microsoft.com/office/drawing/2014/main" xmlns="" id="{463F0D81-1100-4411-AFF4-96B3DC6ACE21}"/>
+                <a16:creationId xmlns="" xmlns:a16="http://schemas.microsoft.com/office/drawing/2014/main" id="{463F0D81-1100-4411-AFF4-96B3DC6ACE21}"/>
               </a:ext>
             </a:extLst>
           </p:cNvPr>
@@ -1660,7 +1660,7 @@
           <a:graphicData uri="http://schemas.openxmlformats.org/presentationml/2006/ole">
             <mc:AlternateContent xmlns:mc="http://schemas.openxmlformats.org/markup-compatibility/2006">
               <mc:Choice xmlns:v="urn:schemas-microsoft-com:vml" Requires="v">
-                <p:oleObj spid="_x0000_s3929522" name="think-cell Slide" r:id="rId5" imgW="353" imgH="353" progId="TCLayout.ActiveDocument.1">
+                <p:oleObj spid="_x0000_s3929523" name="think-cell Slide" r:id="rId5" imgW="353" imgH="353" progId="TCLayout.ActiveDocument.1">
                   <p:embed/>
                 </p:oleObj>
               </mc:Choice>
@@ -1700,7 +1700,7 @@
           <p:cNvPr id="8" name="Rectangle 3" hidden="1">
             <a:extLst>
               <a:ext uri="{FF2B5EF4-FFF2-40B4-BE49-F238E27FC236}">
-                <a16:creationId xmlns:a16="http://schemas.microsoft.com/office/drawing/2014/main" xmlns="" id="{0C7F546B-4F83-4538-BA5D-30831D737FF9}"/>
+                <a16:creationId xmlns="" xmlns:a16="http://schemas.microsoft.com/office/drawing/2014/main" id="{0C7F546B-4F83-4538-BA5D-30831D737FF9}"/>
               </a:ext>
             </a:extLst>
           </p:cNvPr>
@@ -1803,7 +1803,7 @@
           <p:cNvPr id="9" name="Group 8">
             <a:extLst>
               <a:ext uri="{FF2B5EF4-FFF2-40B4-BE49-F238E27FC236}">
-                <a16:creationId xmlns:a16="http://schemas.microsoft.com/office/drawing/2014/main" xmlns="" id="{3A91463B-6220-440A-ABDE-A70AD53F6E77}"/>
+                <a16:creationId xmlns="" xmlns:a16="http://schemas.microsoft.com/office/drawing/2014/main" id="{3A91463B-6220-440A-ABDE-A70AD53F6E77}"/>
               </a:ext>
             </a:extLst>
           </p:cNvPr>
@@ -1823,7 +1823,7 @@
             <p:cNvPr id="10" name="Freeform 4">
               <a:extLst>
                 <a:ext uri="{FF2B5EF4-FFF2-40B4-BE49-F238E27FC236}">
-                  <a16:creationId xmlns:a16="http://schemas.microsoft.com/office/drawing/2014/main" xmlns="" id="{2A2D9579-49FE-471E-B5F7-4A2A57C2A26B}"/>
+                  <a16:creationId xmlns="" xmlns:a16="http://schemas.microsoft.com/office/drawing/2014/main" id="{2A2D9579-49FE-471E-B5F7-4A2A57C2A26B}"/>
                 </a:ext>
               </a:extLst>
             </p:cNvPr>
@@ -1946,7 +1946,7 @@
             <p:cNvPr id="11" name="Freeform 5">
               <a:extLst>
                 <a:ext uri="{FF2B5EF4-FFF2-40B4-BE49-F238E27FC236}">
-                  <a16:creationId xmlns:a16="http://schemas.microsoft.com/office/drawing/2014/main" xmlns="" id="{B074B1FF-8104-4BED-B1F1-9B36DBAFC580}"/>
+                  <a16:creationId xmlns="" xmlns:a16="http://schemas.microsoft.com/office/drawing/2014/main" id="{B074B1FF-8104-4BED-B1F1-9B36DBAFC580}"/>
                 </a:ext>
               </a:extLst>
             </p:cNvPr>
@@ -2064,7 +2064,7 @@
             <p:cNvPr id="12" name="Freeform 6">
               <a:extLst>
                 <a:ext uri="{FF2B5EF4-FFF2-40B4-BE49-F238E27FC236}">
-                  <a16:creationId xmlns:a16="http://schemas.microsoft.com/office/drawing/2014/main" xmlns="" id="{B0F7E18C-6606-4F9A-BB06-62A2A42E797C}"/>
+                  <a16:creationId xmlns="" xmlns:a16="http://schemas.microsoft.com/office/drawing/2014/main" id="{B0F7E18C-6606-4F9A-BB06-62A2A42E797C}"/>
                 </a:ext>
               </a:extLst>
             </p:cNvPr>
@@ -2227,7 +2227,7 @@
           <a:graphicData uri="http://schemas.openxmlformats.org/presentationml/2006/ole">
             <mc:AlternateContent xmlns:mc="http://schemas.openxmlformats.org/markup-compatibility/2006">
               <mc:Choice xmlns:v="urn:schemas-microsoft-com:vml" Requires="v">
-                <p:oleObj spid="_x0000_s3930546" name="think-cell Slide" r:id="rId5" imgW="449" imgH="450" progId="TCLayout.ActiveDocument.1">
+                <p:oleObj spid="_x0000_s3930547" name="think-cell Slide" r:id="rId5" imgW="449" imgH="450" progId="TCLayout.ActiveDocument.1">
                   <p:embed/>
                 </p:oleObj>
               </mc:Choice>
@@ -2267,7 +2267,7 @@
           <p:cNvPr id="4" name="Rectangle 3" hidden="1">
             <a:extLst>
               <a:ext uri="{FF2B5EF4-FFF2-40B4-BE49-F238E27FC236}">
-                <a16:creationId xmlns:a16="http://schemas.microsoft.com/office/drawing/2014/main" xmlns="" id="{34571F7B-0784-4E8D-B3A2-4F32C8AC8029}"/>
+                <a16:creationId xmlns="" xmlns:a16="http://schemas.microsoft.com/office/drawing/2014/main" id="{34571F7B-0784-4E8D-B3A2-4F32C8AC8029}"/>
               </a:ext>
             </a:extLst>
           </p:cNvPr>
@@ -2572,7 +2572,7 @@
           <a:graphicData uri="http://schemas.openxmlformats.org/presentationml/2006/ole">
             <mc:AlternateContent xmlns:mc="http://schemas.openxmlformats.org/markup-compatibility/2006">
               <mc:Choice xmlns:v="urn:schemas-microsoft-com:vml" Requires="v">
-                <p:oleObj spid="_x0000_s3816955" name="think-cell Slide" r:id="rId5" imgW="270" imgH="270" progId="TCLayout.ActiveDocument.1">
+                <p:oleObj spid="_x0000_s3816956" name="think-cell Slide" r:id="rId5" imgW="270" imgH="270" progId="TCLayout.ActiveDocument.1">
                   <p:embed/>
                 </p:oleObj>
               </mc:Choice>
@@ -2612,7 +2612,7 @@
           <p:cNvPr id="4" name="Rectangle 3" hidden="1">
             <a:extLst>
               <a:ext uri="{FF2B5EF4-FFF2-40B4-BE49-F238E27FC236}">
-                <a16:creationId xmlns:a16="http://schemas.microsoft.com/office/drawing/2014/main" xmlns="" id="{463F0D81-1100-4411-AFF4-96B3DC6ACE21}"/>
+                <a16:creationId xmlns="" xmlns:a16="http://schemas.microsoft.com/office/drawing/2014/main" id="{463F0D81-1100-4411-AFF4-96B3DC6ACE21}"/>
               </a:ext>
             </a:extLst>
           </p:cNvPr>
@@ -3559,7 +3559,7 @@
           <a:graphicData uri="http://schemas.openxmlformats.org/presentationml/2006/ole">
             <mc:AlternateContent xmlns:mc="http://schemas.openxmlformats.org/markup-compatibility/2006">
               <mc:Choice xmlns:v="urn:schemas-microsoft-com:vml" Requires="v">
-                <p:oleObj spid="_x0000_s3817971" name="think-cell Slide" r:id="rId5" imgW="353" imgH="353" progId="TCLayout.ActiveDocument.1">
+                <p:oleObj spid="_x0000_s3817972" name="think-cell Slide" r:id="rId5" imgW="353" imgH="353" progId="TCLayout.ActiveDocument.1">
                   <p:embed/>
                 </p:oleObj>
               </mc:Choice>
@@ -3599,7 +3599,7 @@
           <p:cNvPr id="8" name="Rectangle 3" hidden="1">
             <a:extLst>
               <a:ext uri="{FF2B5EF4-FFF2-40B4-BE49-F238E27FC236}">
-                <a16:creationId xmlns:a16="http://schemas.microsoft.com/office/drawing/2014/main" xmlns="" id="{0C7F546B-4F83-4538-BA5D-30831D737FF9}"/>
+                <a16:creationId xmlns="" xmlns:a16="http://schemas.microsoft.com/office/drawing/2014/main" id="{0C7F546B-4F83-4538-BA5D-30831D737FF9}"/>
               </a:ext>
             </a:extLst>
           </p:cNvPr>
@@ -3702,7 +3702,7 @@
           <p:cNvPr id="9" name="Group 8">
             <a:extLst>
               <a:ext uri="{FF2B5EF4-FFF2-40B4-BE49-F238E27FC236}">
-                <a16:creationId xmlns:a16="http://schemas.microsoft.com/office/drawing/2014/main" xmlns="" id="{3A91463B-6220-440A-ABDE-A70AD53F6E77}"/>
+                <a16:creationId xmlns="" xmlns:a16="http://schemas.microsoft.com/office/drawing/2014/main" id="{3A91463B-6220-440A-ABDE-A70AD53F6E77}"/>
               </a:ext>
             </a:extLst>
           </p:cNvPr>
@@ -3722,7 +3722,7 @@
             <p:cNvPr id="10" name="Freeform 4">
               <a:extLst>
                 <a:ext uri="{FF2B5EF4-FFF2-40B4-BE49-F238E27FC236}">
-                  <a16:creationId xmlns:a16="http://schemas.microsoft.com/office/drawing/2014/main" xmlns="" id="{2A2D9579-49FE-471E-B5F7-4A2A57C2A26B}"/>
+                  <a16:creationId xmlns="" xmlns:a16="http://schemas.microsoft.com/office/drawing/2014/main" id="{2A2D9579-49FE-471E-B5F7-4A2A57C2A26B}"/>
                 </a:ext>
               </a:extLst>
             </p:cNvPr>
@@ -3845,7 +3845,7 @@
             <p:cNvPr id="11" name="Freeform 5">
               <a:extLst>
                 <a:ext uri="{FF2B5EF4-FFF2-40B4-BE49-F238E27FC236}">
-                  <a16:creationId xmlns:a16="http://schemas.microsoft.com/office/drawing/2014/main" xmlns="" id="{B074B1FF-8104-4BED-B1F1-9B36DBAFC580}"/>
+                  <a16:creationId xmlns="" xmlns:a16="http://schemas.microsoft.com/office/drawing/2014/main" id="{B074B1FF-8104-4BED-B1F1-9B36DBAFC580}"/>
                 </a:ext>
               </a:extLst>
             </p:cNvPr>
@@ -3963,7 +3963,7 @@
             <p:cNvPr id="12" name="Freeform 6">
               <a:extLst>
                 <a:ext uri="{FF2B5EF4-FFF2-40B4-BE49-F238E27FC236}">
-                  <a16:creationId xmlns:a16="http://schemas.microsoft.com/office/drawing/2014/main" xmlns="" id="{B0F7E18C-6606-4F9A-BB06-62A2A42E797C}"/>
+                  <a16:creationId xmlns="" xmlns:a16="http://schemas.microsoft.com/office/drawing/2014/main" id="{B0F7E18C-6606-4F9A-BB06-62A2A42E797C}"/>
                 </a:ext>
               </a:extLst>
             </p:cNvPr>
@@ -4126,7 +4126,7 @@
           <a:graphicData uri="http://schemas.openxmlformats.org/presentationml/2006/ole">
             <mc:AlternateContent xmlns:mc="http://schemas.openxmlformats.org/markup-compatibility/2006">
               <mc:Choice xmlns:v="urn:schemas-microsoft-com:vml" Requires="v">
-                <p:oleObj spid="_x0000_s3818995" name="think-cell Slide" r:id="rId5" imgW="449" imgH="450" progId="TCLayout.ActiveDocument.1">
+                <p:oleObj spid="_x0000_s3818996" name="think-cell Slide" r:id="rId5" imgW="449" imgH="450" progId="TCLayout.ActiveDocument.1">
                   <p:embed/>
                 </p:oleObj>
               </mc:Choice>
@@ -4166,7 +4166,7 @@
           <p:cNvPr id="4" name="Rectangle 3" hidden="1">
             <a:extLst>
               <a:ext uri="{FF2B5EF4-FFF2-40B4-BE49-F238E27FC236}">
-                <a16:creationId xmlns:a16="http://schemas.microsoft.com/office/drawing/2014/main" xmlns="" id="{34571F7B-0784-4E8D-B3A2-4F32C8AC8029}"/>
+                <a16:creationId xmlns="" xmlns:a16="http://schemas.microsoft.com/office/drawing/2014/main" id="{34571F7B-0784-4E8D-B3A2-4F32C8AC8029}"/>
               </a:ext>
             </a:extLst>
           </p:cNvPr>
@@ -4283,7 +4283,7 @@
           <p:cNvPr id="3" name="Object 2" hidden="1">
             <a:extLst>
               <a:ext uri="{FF2B5EF4-FFF2-40B4-BE49-F238E27FC236}">
-                <a16:creationId xmlns:a16="http://schemas.microsoft.com/office/drawing/2014/main" xmlns="" id="{D8EFF8A2-0FB9-4B25-8B8D-492353274983}"/>
+                <a16:creationId xmlns="" xmlns:a16="http://schemas.microsoft.com/office/drawing/2014/main" id="{D8EFF8A2-0FB9-4B25-8B8D-492353274983}"/>
               </a:ext>
             </a:extLst>
           </p:cNvPr>
@@ -4304,7 +4304,7 @@
           <a:graphicData uri="http://schemas.openxmlformats.org/presentationml/2006/ole">
             <mc:AlternateContent xmlns:mc="http://schemas.openxmlformats.org/markup-compatibility/2006">
               <mc:Choice xmlns:v="urn:schemas-microsoft-com:vml" Requires="v">
-                <p:oleObj spid="_x0000_s3820019" name="think-cell Slide" r:id="rId10" imgW="413" imgH="416" progId="TCLayout.ActiveDocument.1">
+                <p:oleObj spid="_x0000_s3820020" name="think-cell Slide" r:id="rId10" imgW="413" imgH="416" progId="TCLayout.ActiveDocument.1">
                   <p:embed/>
                 </p:oleObj>
               </mc:Choice>
@@ -4316,7 +4316,7 @@
                       <p:cNvPr id="3" name="Object 2" hidden="1">
                         <a:extLst>
                           <a:ext uri="{FF2B5EF4-FFF2-40B4-BE49-F238E27FC236}">
-                            <a16:creationId xmlns:a16="http://schemas.microsoft.com/office/drawing/2014/main" xmlns="" id="{D8EFF8A2-0FB9-4B25-8B8D-492353274983}"/>
+                            <a16:creationId xmlns="" xmlns:a16="http://schemas.microsoft.com/office/drawing/2014/main" id="{D8EFF8A2-0FB9-4B25-8B8D-492353274983}"/>
                           </a:ext>
                         </a:extLst>
                       </p:cNvPr>
@@ -4350,7 +4350,7 @@
           <p:cNvPr id="2" name="Rectangle 1" hidden="1">
             <a:extLst>
               <a:ext uri="{FF2B5EF4-FFF2-40B4-BE49-F238E27FC236}">
-                <a16:creationId xmlns:a16="http://schemas.microsoft.com/office/drawing/2014/main" xmlns="" id="{9F741700-5035-4E61-A4AC-1B3C7AE220D5}"/>
+                <a16:creationId xmlns="" xmlns:a16="http://schemas.microsoft.com/office/drawing/2014/main" id="{9F741700-5035-4E61-A4AC-1B3C7AE220D5}"/>
               </a:ext>
             </a:extLst>
           </p:cNvPr>
@@ -4430,7 +4430,7 @@
           <p:cNvPr id="9" name="Slide Number">
             <a:extLst>
               <a:ext uri="{FF2B5EF4-FFF2-40B4-BE49-F238E27FC236}">
-                <a16:creationId xmlns:a16="http://schemas.microsoft.com/office/drawing/2014/main" xmlns="" id="{66686DBA-90DA-4033-B950-94CBD0D7A425}"/>
+                <a16:creationId xmlns="" xmlns:a16="http://schemas.microsoft.com/office/drawing/2014/main" id="{66686DBA-90DA-4033-B950-94CBD0D7A425}"/>
               </a:ext>
             </a:extLst>
           </p:cNvPr>
@@ -4511,7 +4511,7 @@
           <p:cNvPr id="8" name="5. Source" hidden="1">
             <a:extLst>
               <a:ext uri="{FF2B5EF4-FFF2-40B4-BE49-F238E27FC236}">
-                <a16:creationId xmlns:a16="http://schemas.microsoft.com/office/drawing/2014/main" xmlns="" id="{9238B1D6-2095-4826-AA45-9A4E6F7D1A16}"/>
+                <a16:creationId xmlns="" xmlns:a16="http://schemas.microsoft.com/office/drawing/2014/main" id="{9238B1D6-2095-4826-AA45-9A4E6F7D1A16}"/>
               </a:ext>
             </a:extLst>
           </p:cNvPr>
@@ -4699,7 +4699,7 @@
           <p:cNvPr id="4" name="TextBox 3">
             <a:extLst>
               <a:ext uri="{FF2B5EF4-FFF2-40B4-BE49-F238E27FC236}">
-                <a16:creationId xmlns:a16="http://schemas.microsoft.com/office/drawing/2014/main" xmlns="" id="{6092AEE3-9BFE-FF4E-BBEE-BA5F0C8554DF}"/>
+                <a16:creationId xmlns="" xmlns:a16="http://schemas.microsoft.com/office/drawing/2014/main" id="{6092AEE3-9BFE-FF4E-BBEE-BA5F0C8554DF}"/>
               </a:ext>
             </a:extLst>
           </p:cNvPr>
@@ -4743,7 +4743,7 @@
           <p:cNvPr id="12" name="2. Slide Title">
             <a:extLst>
               <a:ext uri="{FF2B5EF4-FFF2-40B4-BE49-F238E27FC236}">
-                <a16:creationId xmlns:a16="http://schemas.microsoft.com/office/drawing/2014/main" xmlns="" id="{5638B7D9-DE7C-5048-8FBF-F851912B8261}"/>
+                <a16:creationId xmlns="" xmlns:a16="http://schemas.microsoft.com/office/drawing/2014/main" id="{5638B7D9-DE7C-5048-8FBF-F851912B8261}"/>
               </a:ext>
             </a:extLst>
           </p:cNvPr>
@@ -4783,7 +4783,7 @@
           <p:cNvPr id="13" name="TopLine">
             <a:extLst>
               <a:ext uri="{FF2B5EF4-FFF2-40B4-BE49-F238E27FC236}">
-                <a16:creationId xmlns:a16="http://schemas.microsoft.com/office/drawing/2014/main" xmlns="" id="{65B7066E-7CAF-714E-82BC-9913887FF747}"/>
+                <a16:creationId xmlns="" xmlns:a16="http://schemas.microsoft.com/office/drawing/2014/main" id="{65B7066E-7CAF-714E-82BC-9913887FF747}"/>
               </a:ext>
             </a:extLst>
           </p:cNvPr>
@@ -4830,7 +4830,7 @@
           <p:cNvPr id="19" name="LineBasicDefault 5">
             <a:extLst>
               <a:ext uri="{FF2B5EF4-FFF2-40B4-BE49-F238E27FC236}">
-                <a16:creationId xmlns:a16="http://schemas.microsoft.com/office/drawing/2014/main" xmlns="" id="{92EEA76F-2BD2-9246-A718-B8E09FD6A35A}"/>
+                <a16:creationId xmlns="" xmlns:a16="http://schemas.microsoft.com/office/drawing/2014/main" id="{92EEA76F-2BD2-9246-A718-B8E09FD6A35A}"/>
               </a:ext>
             </a:extLst>
           </p:cNvPr>
@@ -4879,7 +4879,7 @@
           <p:cNvPr id="25" name="Text Placeholder 24">
             <a:extLst>
               <a:ext uri="{FF2B5EF4-FFF2-40B4-BE49-F238E27FC236}">
-                <a16:creationId xmlns:a16="http://schemas.microsoft.com/office/drawing/2014/main" xmlns="" id="{8BCD6C0E-815F-404F-90C1-7F4599359FA6}"/>
+                <a16:creationId xmlns="" xmlns:a16="http://schemas.microsoft.com/office/drawing/2014/main" id="{8BCD6C0E-815F-404F-90C1-7F4599359FA6}"/>
               </a:ext>
             </a:extLst>
           </p:cNvPr>
@@ -4937,7 +4937,7 @@
           <p:cNvPr id="30" name="Text Placeholder 24">
             <a:extLst>
               <a:ext uri="{FF2B5EF4-FFF2-40B4-BE49-F238E27FC236}">
-                <a16:creationId xmlns:a16="http://schemas.microsoft.com/office/drawing/2014/main" xmlns="" id="{A5E14AED-D22E-6E42-8E03-F21C36DC23A8}"/>
+                <a16:creationId xmlns="" xmlns:a16="http://schemas.microsoft.com/office/drawing/2014/main" id="{A5E14AED-D22E-6E42-8E03-F21C36DC23A8}"/>
               </a:ext>
             </a:extLst>
           </p:cNvPr>
@@ -4986,7 +4986,7 @@
           <p:cNvPr id="33" name="Text Placeholder 24">
             <a:extLst>
               <a:ext uri="{FF2B5EF4-FFF2-40B4-BE49-F238E27FC236}">
-                <a16:creationId xmlns:a16="http://schemas.microsoft.com/office/drawing/2014/main" xmlns="" id="{5F3611DE-29C3-714F-80BF-472683CB7E46}"/>
+                <a16:creationId xmlns="" xmlns:a16="http://schemas.microsoft.com/office/drawing/2014/main" id="{5F3611DE-29C3-714F-80BF-472683CB7E46}"/>
               </a:ext>
             </a:extLst>
           </p:cNvPr>
@@ -5045,7 +5045,7 @@
           <p:cNvPr id="36" name="Text Placeholder 24">
             <a:extLst>
               <a:ext uri="{FF2B5EF4-FFF2-40B4-BE49-F238E27FC236}">
-                <a16:creationId xmlns:a16="http://schemas.microsoft.com/office/drawing/2014/main" xmlns="" id="{07F6A37A-4D53-5F45-8367-06C03EFB93CE}"/>
+                <a16:creationId xmlns="" xmlns:a16="http://schemas.microsoft.com/office/drawing/2014/main" id="{07F6A37A-4D53-5F45-8367-06C03EFB93CE}"/>
               </a:ext>
             </a:extLst>
           </p:cNvPr>
@@ -5094,7 +5094,7 @@
           <p:cNvPr id="37" name="Text Placeholder 24">
             <a:extLst>
               <a:ext uri="{FF2B5EF4-FFF2-40B4-BE49-F238E27FC236}">
-                <a16:creationId xmlns:a16="http://schemas.microsoft.com/office/drawing/2014/main" xmlns="" id="{E2496342-C411-5B42-91F0-1C3457FF35AA}"/>
+                <a16:creationId xmlns="" xmlns:a16="http://schemas.microsoft.com/office/drawing/2014/main" id="{E2496342-C411-5B42-91F0-1C3457FF35AA}"/>
               </a:ext>
             </a:extLst>
           </p:cNvPr>
@@ -5149,7 +5149,7 @@
           <p:cNvPr id="40" name="Text Placeholder 24">
             <a:extLst>
               <a:ext uri="{FF2B5EF4-FFF2-40B4-BE49-F238E27FC236}">
-                <a16:creationId xmlns:a16="http://schemas.microsoft.com/office/drawing/2014/main" xmlns="" id="{3F5F631C-626E-4846-AAFA-96E3E9212CB3}"/>
+                <a16:creationId xmlns="" xmlns:a16="http://schemas.microsoft.com/office/drawing/2014/main" id="{3F5F631C-626E-4846-AAFA-96E3E9212CB3}"/>
               </a:ext>
             </a:extLst>
           </p:cNvPr>
@@ -5198,7 +5198,7 @@
           <p:cNvPr id="41" name="Text Placeholder 24">
             <a:extLst>
               <a:ext uri="{FF2B5EF4-FFF2-40B4-BE49-F238E27FC236}">
-                <a16:creationId xmlns:a16="http://schemas.microsoft.com/office/drawing/2014/main" xmlns="" id="{0CC535FB-76D4-A34D-943A-7C2ABFA18545}"/>
+                <a16:creationId xmlns="" xmlns:a16="http://schemas.microsoft.com/office/drawing/2014/main" id="{0CC535FB-76D4-A34D-943A-7C2ABFA18545}"/>
               </a:ext>
             </a:extLst>
           </p:cNvPr>
@@ -5253,7 +5253,7 @@
           <p:cNvPr id="44" name="Text Placeholder 24">
             <a:extLst>
               <a:ext uri="{FF2B5EF4-FFF2-40B4-BE49-F238E27FC236}">
-                <a16:creationId xmlns:a16="http://schemas.microsoft.com/office/drawing/2014/main" xmlns="" id="{030169A7-BBE3-184E-99C9-A098525145FD}"/>
+                <a16:creationId xmlns="" xmlns:a16="http://schemas.microsoft.com/office/drawing/2014/main" id="{030169A7-BBE3-184E-99C9-A098525145FD}"/>
               </a:ext>
             </a:extLst>
           </p:cNvPr>
@@ -5311,7 +5311,7 @@
           <p:cNvPr id="45" name="Text Placeholder 24">
             <a:extLst>
               <a:ext uri="{FF2B5EF4-FFF2-40B4-BE49-F238E27FC236}">
-                <a16:creationId xmlns:a16="http://schemas.microsoft.com/office/drawing/2014/main" xmlns="" id="{04338391-3338-1A41-BAA1-679E5C64591B}"/>
+                <a16:creationId xmlns="" xmlns:a16="http://schemas.microsoft.com/office/drawing/2014/main" id="{04338391-3338-1A41-BAA1-679E5C64591B}"/>
               </a:ext>
             </a:extLst>
           </p:cNvPr>
@@ -5366,7 +5366,7 @@
           <p:cNvPr id="46" name="Text Placeholder 24">
             <a:extLst>
               <a:ext uri="{FF2B5EF4-FFF2-40B4-BE49-F238E27FC236}">
-                <a16:creationId xmlns:a16="http://schemas.microsoft.com/office/drawing/2014/main" xmlns="" id="{D596374E-F2D6-114C-921E-48CEC1E766C4}"/>
+                <a16:creationId xmlns="" xmlns:a16="http://schemas.microsoft.com/office/drawing/2014/main" id="{D596374E-F2D6-114C-921E-48CEC1E766C4}"/>
               </a:ext>
             </a:extLst>
           </p:cNvPr>
@@ -5421,7 +5421,7 @@
           <p:cNvPr id="47" name="Text Placeholder 24">
             <a:extLst>
               <a:ext uri="{FF2B5EF4-FFF2-40B4-BE49-F238E27FC236}">
-                <a16:creationId xmlns:a16="http://schemas.microsoft.com/office/drawing/2014/main" xmlns="" id="{FEC896E2-BB58-DE42-9B70-B17747CEB4FD}"/>
+                <a16:creationId xmlns="" xmlns:a16="http://schemas.microsoft.com/office/drawing/2014/main" id="{FEC896E2-BB58-DE42-9B70-B17747CEB4FD}"/>
               </a:ext>
             </a:extLst>
           </p:cNvPr>
@@ -5476,7 +5476,7 @@
           <p:cNvPr id="48" name="Text Placeholder 24">
             <a:extLst>
               <a:ext uri="{FF2B5EF4-FFF2-40B4-BE49-F238E27FC236}">
-                <a16:creationId xmlns:a16="http://schemas.microsoft.com/office/drawing/2014/main" xmlns="" id="{FE1DEE42-94A5-1244-91E4-623A5E91E758}"/>
+                <a16:creationId xmlns="" xmlns:a16="http://schemas.microsoft.com/office/drawing/2014/main" id="{FE1DEE42-94A5-1244-91E4-623A5E91E758}"/>
               </a:ext>
             </a:extLst>
           </p:cNvPr>
@@ -5534,7 +5534,7 @@
           <p:cNvPr id="49" name="Text Placeholder 24">
             <a:extLst>
               <a:ext uri="{FF2B5EF4-FFF2-40B4-BE49-F238E27FC236}">
-                <a16:creationId xmlns:a16="http://schemas.microsoft.com/office/drawing/2014/main" xmlns="" id="{90912DFC-A558-D541-A770-B8BBDDB2BA35}"/>
+                <a16:creationId xmlns="" xmlns:a16="http://schemas.microsoft.com/office/drawing/2014/main" id="{90912DFC-A558-D541-A770-B8BBDDB2BA35}"/>
               </a:ext>
             </a:extLst>
           </p:cNvPr>
@@ -5589,7 +5589,7 @@
           <p:cNvPr id="50" name="Text Placeholder 24">
             <a:extLst>
               <a:ext uri="{FF2B5EF4-FFF2-40B4-BE49-F238E27FC236}">
-                <a16:creationId xmlns:a16="http://schemas.microsoft.com/office/drawing/2014/main" xmlns="" id="{9D56D5F4-3549-CE42-890B-D4DA959DEF6A}"/>
+                <a16:creationId xmlns="" xmlns:a16="http://schemas.microsoft.com/office/drawing/2014/main" id="{9D56D5F4-3549-CE42-890B-D4DA959DEF6A}"/>
               </a:ext>
             </a:extLst>
           </p:cNvPr>
@@ -5644,7 +5644,7 @@
           <p:cNvPr id="51" name="Text Placeholder 24">
             <a:extLst>
               <a:ext uri="{FF2B5EF4-FFF2-40B4-BE49-F238E27FC236}">
-                <a16:creationId xmlns:a16="http://schemas.microsoft.com/office/drawing/2014/main" xmlns="" id="{40397F58-EF55-0347-AE6A-12C28BC4A1DA}"/>
+                <a16:creationId xmlns="" xmlns:a16="http://schemas.microsoft.com/office/drawing/2014/main" id="{40397F58-EF55-0347-AE6A-12C28BC4A1DA}"/>
               </a:ext>
             </a:extLst>
           </p:cNvPr>
@@ -5774,7 +5774,7 @@
           <a:graphicData uri="http://schemas.openxmlformats.org/presentationml/2006/ole">
             <mc:AlternateContent xmlns:mc="http://schemas.openxmlformats.org/markup-compatibility/2006">
               <mc:Choice xmlns:v="urn:schemas-microsoft-com:vml" Requires="v">
-                <p:oleObj spid="_x0000_s4148498" name="think-cell Slide" r:id="rId25" imgW="270" imgH="270" progId="TCLayout.ActiveDocument.1">
+                <p:oleObj spid="_x0000_s4148499" name="think-cell Slide" r:id="rId25" imgW="270" imgH="270" progId="TCLayout.ActiveDocument.1">
                   <p:embed/>
                 </p:oleObj>
               </mc:Choice>
@@ -5814,7 +5814,7 @@
           <p:cNvPr id="4" name="Rectangle 3" hidden="1">
             <a:extLst>
               <a:ext uri="{FF2B5EF4-FFF2-40B4-BE49-F238E27FC236}">
-                <a16:creationId xmlns:a16="http://schemas.microsoft.com/office/drawing/2014/main" xmlns="" id="{ADC71702-F99A-4D9E-91BA-36A76F7B31B6}"/>
+                <a16:creationId xmlns="" xmlns:a16="http://schemas.microsoft.com/office/drawing/2014/main" id="{ADC71702-F99A-4D9E-91BA-36A76F7B31B6}"/>
               </a:ext>
             </a:extLst>
           </p:cNvPr>
@@ -9637,7 +9637,7 @@
           <p:cNvPr id="67" name="圖片 1">
             <a:extLst>
               <a:ext uri="{FF2B5EF4-FFF2-40B4-BE49-F238E27FC236}">
-                <a16:creationId xmlns:a16="http://schemas.microsoft.com/office/drawing/2014/main" xmlns="" id="{28808517-8F5D-4E5C-A939-8BD1265AAEA8}"/>
+                <a16:creationId xmlns="" xmlns:a16="http://schemas.microsoft.com/office/drawing/2014/main" id="{28808517-8F5D-4E5C-A939-8BD1265AAEA8}"/>
               </a:ext>
             </a:extLst>
           </p:cNvPr>
@@ -10151,7 +10151,7 @@
           <a:graphicData uri="http://schemas.openxmlformats.org/presentationml/2006/ole">
             <mc:AlternateContent xmlns:mc="http://schemas.openxmlformats.org/markup-compatibility/2006">
               <mc:Choice xmlns:v="urn:schemas-microsoft-com:vml" Requires="v">
-                <p:oleObj spid="_x0000_s3815931" name="think-cell Slide" r:id="rId25" imgW="270" imgH="270" progId="TCLayout.ActiveDocument.1">
+                <p:oleObj spid="_x0000_s3815932" name="think-cell Slide" r:id="rId25" imgW="270" imgH="270" progId="TCLayout.ActiveDocument.1">
                   <p:embed/>
                 </p:oleObj>
               </mc:Choice>
@@ -10191,7 +10191,7 @@
           <p:cNvPr id="4" name="Rectangle 3" hidden="1">
             <a:extLst>
               <a:ext uri="{FF2B5EF4-FFF2-40B4-BE49-F238E27FC236}">
-                <a16:creationId xmlns:a16="http://schemas.microsoft.com/office/drawing/2014/main" xmlns="" id="{ADC71702-F99A-4D9E-91BA-36A76F7B31B6}"/>
+                <a16:creationId xmlns="" xmlns:a16="http://schemas.microsoft.com/office/drawing/2014/main" id="{ADC71702-F99A-4D9E-91BA-36A76F7B31B6}"/>
               </a:ext>
             </a:extLst>
           </p:cNvPr>
@@ -14014,7 +14014,7 @@
           <p:cNvPr id="67" name="圖片 1">
             <a:extLst>
               <a:ext uri="{FF2B5EF4-FFF2-40B4-BE49-F238E27FC236}">
-                <a16:creationId xmlns:a16="http://schemas.microsoft.com/office/drawing/2014/main" xmlns="" id="{28808517-8F5D-4E5C-A939-8BD1265AAEA8}"/>
+                <a16:creationId xmlns="" xmlns:a16="http://schemas.microsoft.com/office/drawing/2014/main" id="{28808517-8F5D-4E5C-A939-8BD1265AAEA8}"/>
               </a:ext>
             </a:extLst>
           </p:cNvPr>
@@ -14500,7 +14500,7 @@
           <p:cNvPr id="5" name="Object 4" hidden="1">
             <a:extLst>
               <a:ext uri="{FF2B5EF4-FFF2-40B4-BE49-F238E27FC236}">
-                <a16:creationId xmlns:a16="http://schemas.microsoft.com/office/drawing/2014/main" xmlns="" id="{6E760C01-2246-442F-BD96-16A1B8A51B25}"/>
+                <a16:creationId xmlns="" xmlns:a16="http://schemas.microsoft.com/office/drawing/2014/main" id="{6E760C01-2246-442F-BD96-16A1B8A51B25}"/>
               </a:ext>
             </a:extLst>
           </p:cNvPr>
@@ -14526,7 +14526,7 @@
           <a:graphicData uri="http://schemas.openxmlformats.org/presentationml/2006/ole">
             <mc:AlternateContent xmlns:mc="http://schemas.openxmlformats.org/markup-compatibility/2006">
               <mc:Choice xmlns:v="urn:schemas-microsoft-com:vml" Requires="v">
-                <p:oleObj spid="_x0000_s3990947" name="think-cell Slide" r:id="rId6" imgW="592" imgH="595" progId="TCLayout.ActiveDocument.1">
+                <p:oleObj spid="_x0000_s3990948" name="think-cell Slide" r:id="rId6" imgW="592" imgH="595" progId="TCLayout.ActiveDocument.1">
                   <p:embed/>
                 </p:oleObj>
               </mc:Choice>
@@ -14538,7 +14538,7 @@
                       <p:cNvPr id="5" name="Object 4" hidden="1">
                         <a:extLst>
                           <a:ext uri="{FF2B5EF4-FFF2-40B4-BE49-F238E27FC236}">
-                            <a16:creationId xmlns:a16="http://schemas.microsoft.com/office/drawing/2014/main" xmlns="" id="{6E760C01-2246-442F-BD96-16A1B8A51B25}"/>
+                            <a16:creationId xmlns="" xmlns:a16="http://schemas.microsoft.com/office/drawing/2014/main" id="{6E760C01-2246-442F-BD96-16A1B8A51B25}"/>
                           </a:ext>
                         </a:extLst>
                       </p:cNvPr>
@@ -14572,7 +14572,7 @@
           <p:cNvPr id="6" name="Rectangle 3" hidden="1">
             <a:extLst>
               <a:ext uri="{FF2B5EF4-FFF2-40B4-BE49-F238E27FC236}">
-                <a16:creationId xmlns:a16="http://schemas.microsoft.com/office/drawing/2014/main" xmlns="" id="{BD022F61-598A-4D1F-BE53-1B22BDBFF4ED}"/>
+                <a16:creationId xmlns="" xmlns:a16="http://schemas.microsoft.com/office/drawing/2014/main" id="{BD022F61-598A-4D1F-BE53-1B22BDBFF4ED}"/>
               </a:ext>
             </a:extLst>
           </p:cNvPr>
@@ -14637,7 +14637,7 @@
           <p:cNvPr id="3" name="Rectangle 1026">
             <a:extLst>
               <a:ext uri="{FF2B5EF4-FFF2-40B4-BE49-F238E27FC236}">
-                <a16:creationId xmlns:a16="http://schemas.microsoft.com/office/drawing/2014/main" xmlns="" id="{70F25819-6ACA-458D-B40B-94D25997A808}"/>
+                <a16:creationId xmlns="" xmlns:a16="http://schemas.microsoft.com/office/drawing/2014/main" id="{70F25819-6ACA-458D-B40B-94D25997A808}"/>
               </a:ext>
             </a:extLst>
           </p:cNvPr>
@@ -16816,11 +16816,6 @@
               </a:rPr>
               <a:t>await</a:t>
             </a:r>
-            <a:endParaRPr lang="en-US" altLang="zh-CN" sz="1800" dirty="0">
-              <a:latin typeface="Tahoma" panose="020B0604030504040204" pitchFamily="34" charset="0"/>
-              <a:ea typeface="Tahoma" panose="020B0604030504040204" pitchFamily="34" charset="0"/>
-              <a:cs typeface="Tahoma" panose="020B0604030504040204" pitchFamily="34" charset="0"/>
-            </a:endParaRPr>
           </a:p>
         </p:txBody>
       </p:sp>
